--- a/docs/Ghostbusters (2016).pptx
+++ b/docs/Ghostbusters (2016).pptx
@@ -14067,7 +14067,7 @@
             </a:r>
             <a:r>
               <a:rPr lang="en-GB" dirty="0"/>
-              <a:t>was unique in being the only movie-based top-down isometric third-person action shooter, other than </a:t>
+              <a:t>was unique in being the only movie-based top-down isometric third-person action shooter, apart from </a:t>
             </a:r>
             <a:r>
               <a:rPr lang="en-GB" i="1" dirty="0"/>
@@ -14160,7 +14160,7 @@
             </a:pPr>
             <a:r>
               <a:rPr lang="en-GB" dirty="0"/>
-              <a:t>Lack of feedback and insufficient help to player</a:t>
+              <a:t>Lack of feedback and help/assistance to player</a:t>
             </a:r>
           </a:p>
           <a:p>
@@ -14170,7 +14170,7 @@
             </a:pPr>
             <a:r>
               <a:rPr lang="en-GB" dirty="0"/>
-              <a:t>first-time experience is encouraging, no</a:t>
+              <a:t>Tasks are repetitive</a:t>
             </a:r>
           </a:p>
           <a:p>
